--- a/Brouchers/tirefil.pptx
+++ b/Brouchers/tirefil.pptx
@@ -261,7 +261,7 @@
           <a:p>
             <a:fld id="{BA16502B-60EA-416E-9008-660AD02C2E7F}" type="datetimeFigureOut">
               <a:rPr lang="en-ZA" smtClean="0"/>
-              <a:t>2023/10/20</a:t>
+              <a:t>2023/10/22</a:t>
             </a:fld>
             <a:endParaRPr lang="en-ZA"/>
           </a:p>
@@ -461,7 +461,7 @@
           <a:p>
             <a:fld id="{BA16502B-60EA-416E-9008-660AD02C2E7F}" type="datetimeFigureOut">
               <a:rPr lang="en-ZA" smtClean="0"/>
-              <a:t>2023/10/20</a:t>
+              <a:t>2023/10/22</a:t>
             </a:fld>
             <a:endParaRPr lang="en-ZA"/>
           </a:p>
@@ -671,7 +671,7 @@
           <a:p>
             <a:fld id="{BA16502B-60EA-416E-9008-660AD02C2E7F}" type="datetimeFigureOut">
               <a:rPr lang="en-ZA" smtClean="0"/>
-              <a:t>2023/10/20</a:t>
+              <a:t>2023/10/22</a:t>
             </a:fld>
             <a:endParaRPr lang="en-ZA"/>
           </a:p>
@@ -871,7 +871,7 @@
           <a:p>
             <a:fld id="{BA16502B-60EA-416E-9008-660AD02C2E7F}" type="datetimeFigureOut">
               <a:rPr lang="en-ZA" smtClean="0"/>
-              <a:t>2023/10/20</a:t>
+              <a:t>2023/10/22</a:t>
             </a:fld>
             <a:endParaRPr lang="en-ZA"/>
           </a:p>
@@ -1147,7 +1147,7 @@
           <a:p>
             <a:fld id="{BA16502B-60EA-416E-9008-660AD02C2E7F}" type="datetimeFigureOut">
               <a:rPr lang="en-ZA" smtClean="0"/>
-              <a:t>2023/10/20</a:t>
+              <a:t>2023/10/22</a:t>
             </a:fld>
             <a:endParaRPr lang="en-ZA"/>
           </a:p>
@@ -1415,7 +1415,7 @@
           <a:p>
             <a:fld id="{BA16502B-60EA-416E-9008-660AD02C2E7F}" type="datetimeFigureOut">
               <a:rPr lang="en-ZA" smtClean="0"/>
-              <a:t>2023/10/20</a:t>
+              <a:t>2023/10/22</a:t>
             </a:fld>
             <a:endParaRPr lang="en-ZA"/>
           </a:p>
@@ -1830,7 +1830,7 @@
           <a:p>
             <a:fld id="{BA16502B-60EA-416E-9008-660AD02C2E7F}" type="datetimeFigureOut">
               <a:rPr lang="en-ZA" smtClean="0"/>
-              <a:t>2023/10/20</a:t>
+              <a:t>2023/10/22</a:t>
             </a:fld>
             <a:endParaRPr lang="en-ZA"/>
           </a:p>
@@ -1972,7 +1972,7 @@
           <a:p>
             <a:fld id="{BA16502B-60EA-416E-9008-660AD02C2E7F}" type="datetimeFigureOut">
               <a:rPr lang="en-ZA" smtClean="0"/>
-              <a:t>2023/10/20</a:t>
+              <a:t>2023/10/22</a:t>
             </a:fld>
             <a:endParaRPr lang="en-ZA"/>
           </a:p>
@@ -2085,7 +2085,7 @@
           <a:p>
             <a:fld id="{BA16502B-60EA-416E-9008-660AD02C2E7F}" type="datetimeFigureOut">
               <a:rPr lang="en-ZA" smtClean="0"/>
-              <a:t>2023/10/20</a:t>
+              <a:t>2023/10/22</a:t>
             </a:fld>
             <a:endParaRPr lang="en-ZA"/>
           </a:p>
@@ -2398,7 +2398,7 @@
           <a:p>
             <a:fld id="{BA16502B-60EA-416E-9008-660AD02C2E7F}" type="datetimeFigureOut">
               <a:rPr lang="en-ZA" smtClean="0"/>
-              <a:t>2023/10/20</a:t>
+              <a:t>2023/10/22</a:t>
             </a:fld>
             <a:endParaRPr lang="en-ZA"/>
           </a:p>
@@ -2687,7 +2687,7 @@
           <a:p>
             <a:fld id="{BA16502B-60EA-416E-9008-660AD02C2E7F}" type="datetimeFigureOut">
               <a:rPr lang="en-ZA" smtClean="0"/>
-              <a:t>2023/10/20</a:t>
+              <a:t>2023/10/22</a:t>
             </a:fld>
             <a:endParaRPr lang="en-ZA"/>
           </a:p>
@@ -2930,7 +2930,7 @@
           <a:p>
             <a:fld id="{BA16502B-60EA-416E-9008-660AD02C2E7F}" type="datetimeFigureOut">
               <a:rPr lang="en-ZA" smtClean="0"/>
-              <a:t>2023/10/20</a:t>
+              <a:t>2023/10/22</a:t>
             </a:fld>
             <a:endParaRPr lang="en-ZA"/>
           </a:p>
@@ -3374,9 +3374,9 @@
           </a:stretch>
         </p:blipFill>
         <p:spPr>
-          <a:xfrm>
-            <a:off x="228328" y="267730"/>
-            <a:ext cx="11807371" cy="6858000"/>
+          <a:xfrm rot="16200000">
+            <a:off x="4136419" y="355054"/>
+            <a:ext cx="4671727" cy="6858000"/>
           </a:xfrm>
           <a:prstGeom prst="rect">
             <a:avLst/>
@@ -3411,26 +3411,30 @@
         </p:blipFill>
         <p:spPr>
           <a:xfrm>
-            <a:off x="67672" y="99683"/>
-            <a:ext cx="6150248" cy="2780039"/>
+            <a:off x="0" y="193882"/>
+            <a:ext cx="5139421" cy="2521501"/>
           </a:xfrm>
           <a:prstGeom prst="rect">
             <a:avLst/>
           </a:prstGeom>
           <a:ln>
-            <a:noFill/>
+            <a:solidFill>
+              <a:schemeClr val="bg2">
+                <a:lumMod val="25000"/>
+              </a:schemeClr>
+            </a:solidFill>
           </a:ln>
           <a:effectLst>
-            <a:softEdge rad="112500"/>
+            <a:softEdge rad="317500"/>
           </a:effectLst>
         </p:spPr>
       </p:pic>
       <p:sp>
         <p:nvSpPr>
-          <p:cNvPr id="11" name="TextBox 10">
-            <a:extLst>
-              <a:ext uri="{FF2B5EF4-FFF2-40B4-BE49-F238E27FC236}">
-                <a16:creationId xmlns:a16="http://schemas.microsoft.com/office/drawing/2014/main" id="{092471ED-3443-BE1F-20C8-F2C54996B016}"/>
+          <p:cNvPr id="12" name="TextBox 11">
+            <a:extLst>
+              <a:ext uri="{FF2B5EF4-FFF2-40B4-BE49-F238E27FC236}">
+                <a16:creationId xmlns:a16="http://schemas.microsoft.com/office/drawing/2014/main" id="{4314207F-465A-6D85-70E6-63F55E129F06}"/>
               </a:ext>
             </a:extLst>
           </p:cNvPr>
@@ -3439,8 +3443,8 @@
         </p:nvSpPr>
         <p:spPr>
           <a:xfrm>
-            <a:off x="5988366" y="3977005"/>
-            <a:ext cx="3642360" cy="2308324"/>
+            <a:off x="9646104" y="305263"/>
+            <a:ext cx="3185886" cy="1661993"/>
           </a:xfrm>
           <a:prstGeom prst="rect">
             <a:avLst/>
@@ -3453,121 +3457,8 @@
           </a:bodyPr>
           <a:lstStyle/>
           <a:p>
-            <a:pPr algn="l"/>
-            <a:endParaRPr lang="en-ZA" sz="1800" b="0" i="0" u="none" strike="noStrike" baseline="0" dirty="0">
-              <a:solidFill>
-                <a:srgbClr val="000000"/>
-              </a:solidFill>
-              <a:latin typeface="Arial Rounded MT Bold" panose="020F0704030504030204" pitchFamily="34" charset="0"/>
-            </a:endParaRPr>
-          </a:p>
-          <a:p>
-            <a:endParaRPr lang="en-ZA" sz="1800" b="0" i="0" u="none" strike="noStrike" baseline="0" dirty="0">
-              <a:latin typeface="Arial Rounded MT Bold" panose="020F0704030504030204" pitchFamily="34" charset="0"/>
-            </a:endParaRPr>
-          </a:p>
-          <a:p>
-            <a:r>
-              <a:rPr lang="en-ZA" sz="1800" b="0" i="0" u="none" strike="noStrike" baseline="0" dirty="0">
-                <a:latin typeface="Arial Rounded MT Bold" panose="020F0704030504030204" pitchFamily="34" charset="0"/>
-              </a:rPr>
-              <a:t> </a:t>
-            </a:r>
-            <a:r>
-              <a:rPr lang="en-ZA" sz="2000" b="0" i="0" u="sng" strike="noStrike" baseline="0" dirty="0">
-                <a:latin typeface="Arial Rounded MT Bold" panose="020F0704030504030204" pitchFamily="34" charset="0"/>
-              </a:rPr>
-              <a:t>Tire fill solution:</a:t>
-            </a:r>
-          </a:p>
-          <a:p>
-            <a:pPr marL="285750" indent="-285750">
-              <a:buFont typeface="Wingdings" panose="05000000000000000000" pitchFamily="2" charset="2"/>
-              <a:buChar char="q"/>
-            </a:pPr>
-            <a:r>
-              <a:rPr lang="en-ZA" sz="1800" b="0" i="0" u="none" strike="noStrike" baseline="0" dirty="0">
-                <a:latin typeface="Arial Rounded MT Bold" panose="020F0704030504030204" pitchFamily="34" charset="0"/>
-              </a:rPr>
-              <a:t>Liquid Tre fill</a:t>
-            </a:r>
-          </a:p>
-          <a:p>
-            <a:pPr marL="285750" indent="-285750">
-              <a:buFont typeface="Wingdings" panose="05000000000000000000" pitchFamily="2" charset="2"/>
-              <a:buChar char="q"/>
-            </a:pPr>
-            <a:r>
-              <a:rPr lang="en-ZA" sz="1800" b="0" i="0" u="none" strike="noStrike" baseline="0" dirty="0">
-                <a:latin typeface="Arial Rounded MT Bold" panose="020F0704030504030204" pitchFamily="34" charset="0"/>
-              </a:rPr>
-              <a:t>Foam tire fill</a:t>
-            </a:r>
-          </a:p>
-          <a:p>
-            <a:pPr marL="285750" indent="-285750">
-              <a:buFont typeface="Wingdings" panose="05000000000000000000" pitchFamily="2" charset="2"/>
-              <a:buChar char="q"/>
-            </a:pPr>
-            <a:r>
-              <a:rPr lang="en-ZA" sz="1800" b="0" i="0" u="none" strike="noStrike" baseline="0" dirty="0">
-                <a:latin typeface="Arial Rounded MT Bold" panose="020F0704030504030204" pitchFamily="34" charset="0"/>
-              </a:rPr>
-              <a:t>Tire installation services </a:t>
-            </a:r>
-          </a:p>
-          <a:p>
-            <a:pPr marL="285750" indent="-285750">
-              <a:buFont typeface="Wingdings" panose="05000000000000000000" pitchFamily="2" charset="2"/>
-              <a:buChar char="q"/>
-            </a:pPr>
-            <a:r>
-              <a:rPr lang="en-ZA" sz="1800" b="0" i="0" u="none" strike="noStrike" baseline="0" dirty="0">
-                <a:latin typeface="Arial Rounded MT Bold" panose="020F0704030504030204" pitchFamily="34" charset="0"/>
-              </a:rPr>
-              <a:t>Tire fil maintenance </a:t>
-            </a:r>
-          </a:p>
-          <a:p>
-            <a:r>
-              <a:rPr lang="en-ZA" sz="1600" dirty="0">
-                <a:latin typeface="Arial Rounded MT Bold" panose="020F0704030504030204" pitchFamily="34" charset="0"/>
-              </a:rPr>
-              <a:t> </a:t>
-            </a:r>
-          </a:p>
-        </p:txBody>
-      </p:sp>
-      <p:sp>
-        <p:nvSpPr>
-          <p:cNvPr id="12" name="TextBox 11">
-            <a:extLst>
-              <a:ext uri="{FF2B5EF4-FFF2-40B4-BE49-F238E27FC236}">
-                <a16:creationId xmlns:a16="http://schemas.microsoft.com/office/drawing/2014/main" id="{4314207F-465A-6D85-70E6-63F55E129F06}"/>
-              </a:ext>
-            </a:extLst>
-          </p:cNvPr>
-          <p:cNvSpPr txBox="1"/>
-          <p:nvPr/>
-        </p:nvSpPr>
-        <p:spPr>
-          <a:xfrm>
-            <a:off x="9646104" y="305263"/>
-            <a:ext cx="3185886" cy="2062103"/>
-          </a:xfrm>
-          <a:prstGeom prst="rect">
-            <a:avLst/>
-          </a:prstGeom>
-          <a:noFill/>
-        </p:spPr>
-        <p:txBody>
-          <a:bodyPr wrap="square" rtlCol="0">
-            <a:spAutoFit/>
-          </a:bodyPr>
-          <a:lstStyle/>
-          <a:p>
-            <a:r>
-              <a:rPr lang="en-ZA" sz="2000" b="1" i="0" dirty="0">
+            <a:r>
+              <a:rPr lang="en-ZA" sz="1200" b="1" i="0" dirty="0">
                 <a:effectLst/>
                 <a:latin typeface="-apple-system"/>
                 <a:hlinkClick r:id="rId4">
@@ -3583,7 +3474,7 @@
           </a:p>
           <a:p>
             <a:r>
-              <a:rPr lang="en-ZA" b="0" i="0" dirty="0">
+              <a:rPr lang="en-ZA" sz="1200" b="0" i="0" dirty="0">
                 <a:solidFill>
                   <a:srgbClr val="0563C1"/>
                 </a:solidFill>
@@ -3599,7 +3490,7 @@
               </a:rPr>
               <a:t>lebogang@lebili.co.za</a:t>
             </a:r>
-            <a:endParaRPr lang="en-ZA" b="0" i="0" dirty="0">
+            <a:endParaRPr lang="en-ZA" sz="1200" b="0" i="0" dirty="0">
               <a:solidFill>
                 <a:srgbClr val="212529"/>
               </a:solidFill>
@@ -3609,7 +3500,7 @@
           </a:p>
           <a:p>
             <a:r>
-              <a:rPr lang="en-ZA" b="0" i="0" dirty="0">
+              <a:rPr lang="en-ZA" sz="1200" b="0" i="0" dirty="0">
                 <a:solidFill>
                   <a:srgbClr val="212529"/>
                 </a:solidFill>
@@ -3619,7 +3510,7 @@
               <a:t>+27 79 948 3076</a:t>
             </a:r>
             <a:r>
-              <a:rPr lang="en-ZA" dirty="0">
+              <a:rPr lang="en-ZA" sz="1200" dirty="0">
                 <a:solidFill>
                   <a:srgbClr val="212529"/>
                 </a:solidFill>
@@ -3630,7 +3521,7 @@
           </a:p>
           <a:p>
             <a:r>
-              <a:rPr lang="en-ZA" dirty="0">
+              <a:rPr lang="en-ZA" sz="1200" dirty="0">
                 <a:solidFill>
                   <a:srgbClr val="212529"/>
                 </a:solidFill>
@@ -3639,7 +3530,7 @@
               </a:rPr>
               <a:t>www.lebili.com</a:t>
             </a:r>
-            <a:endParaRPr lang="en-ZA" dirty="0">
+            <a:endParaRPr lang="en-ZA" sz="1200" dirty="0">
               <a:solidFill>
                 <a:srgbClr val="212529"/>
               </a:solidFill>
@@ -3770,188 +3661,6 @@
       </p:sp>
       <p:pic>
         <p:nvPicPr>
-          <p:cNvPr id="23" name="Picture 22" descr="A person in a yellow hard hat checking a tire&#10;&#10;Description automatically generated">
-            <a:extLst>
-              <a:ext uri="{FF2B5EF4-FFF2-40B4-BE49-F238E27FC236}">
-                <a16:creationId xmlns:a16="http://schemas.microsoft.com/office/drawing/2014/main" id="{B6C3BE40-CDF1-0ECD-C675-79F47670518F}"/>
-              </a:ext>
-            </a:extLst>
-          </p:cNvPr>
-          <p:cNvPicPr>
-            <a:picLocks noChangeAspect="1"/>
-          </p:cNvPicPr>
-          <p:nvPr/>
-        </p:nvPicPr>
-        <p:blipFill>
-          <a:blip r:embed="rId6">
-            <a:extLst>
-              <a:ext uri="{28A0092B-C50C-407E-A947-70E740481C1C}">
-                <a14:useLocalDpi xmlns:a14="http://schemas.microsoft.com/office/drawing/2010/main" val="0"/>
-              </a:ext>
-            </a:extLst>
-          </a:blip>
-          <a:stretch>
-            <a:fillRect/>
-          </a:stretch>
-        </p:blipFill>
-        <p:spPr>
-          <a:xfrm>
-            <a:off x="8626068" y="2329181"/>
-            <a:ext cx="3680188" cy="3248531"/>
-          </a:xfrm>
-          <a:prstGeom prst="ellipse">
-            <a:avLst/>
-          </a:prstGeom>
-          <a:ln>
-            <a:noFill/>
-          </a:ln>
-          <a:effectLst>
-            <a:softEdge rad="112500"/>
-          </a:effectLst>
-        </p:spPr>
-      </p:pic>
-      <p:sp>
-        <p:nvSpPr>
-          <p:cNvPr id="25" name="TextBox 24">
-            <a:extLst>
-              <a:ext uri="{FF2B5EF4-FFF2-40B4-BE49-F238E27FC236}">
-                <a16:creationId xmlns:a16="http://schemas.microsoft.com/office/drawing/2014/main" id="{B773441E-199F-A18B-4C96-3280CB6F2287}"/>
-              </a:ext>
-            </a:extLst>
-          </p:cNvPr>
-          <p:cNvSpPr txBox="1"/>
-          <p:nvPr/>
-        </p:nvSpPr>
-        <p:spPr>
-          <a:xfrm>
-            <a:off x="355214" y="2592010"/>
-            <a:ext cx="8588648" cy="3693319"/>
-          </a:xfrm>
-          <a:prstGeom prst="rect">
-            <a:avLst/>
-          </a:prstGeom>
-          <a:noFill/>
-        </p:spPr>
-        <p:txBody>
-          <a:bodyPr wrap="square">
-            <a:spAutoFit/>
-          </a:bodyPr>
-          <a:lstStyle/>
-          <a:p>
-            <a:pPr algn="l"/>
-            <a:endParaRPr lang="en-ZA" sz="1800" b="0" i="0" u="none" strike="noStrike" baseline="0" dirty="0">
-              <a:solidFill>
-                <a:srgbClr val="000000"/>
-              </a:solidFill>
-              <a:latin typeface="Arial Rounded MT Bold" panose="020F0704030504030204" pitchFamily="34" charset="0"/>
-            </a:endParaRPr>
-          </a:p>
-          <a:p>
-            <a:endParaRPr lang="en-ZA" sz="1800" b="0" i="0" u="none" strike="noStrike" baseline="0" dirty="0">
-              <a:latin typeface="Arial Rounded MT Bold" panose="020F0704030504030204" pitchFamily="34" charset="0"/>
-            </a:endParaRPr>
-          </a:p>
-          <a:p>
-            <a:r>
-              <a:rPr lang="en-US" sz="1800" b="0" i="0" u="none" strike="noStrike" baseline="0" dirty="0">
-                <a:latin typeface="Arial Rounded MT Bold" panose="020F0704030504030204" pitchFamily="34" charset="0"/>
-              </a:rPr>
-              <a:t> We understand the frustrations and expenses associated with traditional tire maintenance. Our innovative tire fill technology </a:t>
-            </a:r>
-          </a:p>
-          <a:p>
-            <a:r>
-              <a:rPr lang="en-US" sz="1800" b="0" i="0" u="none" strike="noStrike" baseline="0" dirty="0">
-                <a:latin typeface="Arial Rounded MT Bold" panose="020F0704030504030204" pitchFamily="34" charset="0"/>
-              </a:rPr>
-              <a:t>offers a wide range of benefits, making it the superior choice for your vehicles.</a:t>
-            </a:r>
-          </a:p>
-          <a:p>
-            <a:r>
-              <a:rPr lang="en-US" sz="1800" b="0" i="0" u="none" strike="noStrike" baseline="0" dirty="0">
-                <a:latin typeface="Arial Rounded MT Bold" panose="020F0704030504030204" pitchFamily="34" charset="0"/>
-              </a:rPr>
-              <a:t>Here's why you should consider our tire fill</a:t>
-            </a:r>
-          </a:p>
-          <a:p>
-            <a:r>
-              <a:rPr lang="en-ZA" sz="1800" b="0" i="0" u="none" strike="noStrike" baseline="0" dirty="0">
-                <a:latin typeface="Arial Rounded MT Bold" panose="020F0704030504030204" pitchFamily="34" charset="0"/>
-              </a:rPr>
-              <a:t>solutions:</a:t>
-            </a:r>
-            <a:endParaRPr lang="en-US" sz="1600" dirty="0">
-              <a:latin typeface="Arial Rounded MT Bold" panose="020F0704030504030204" pitchFamily="34" charset="0"/>
-              <a:ea typeface="ADLaM Display" panose="020F0502020204030204" pitchFamily="2" charset="0"/>
-              <a:cs typeface="ADLaM Display" panose="020F0502020204030204" pitchFamily="2" charset="0"/>
-            </a:endParaRPr>
-          </a:p>
-          <a:p>
-            <a:pPr marL="285750" indent="-285750">
-              <a:buFont typeface="Wingdings" panose="05000000000000000000" pitchFamily="2" charset="2"/>
-              <a:buChar char="q"/>
-            </a:pPr>
-            <a:r>
-              <a:rPr lang="en-ZA" sz="1800" b="0" i="0" u="none" strike="noStrike" baseline="0" dirty="0">
-                <a:latin typeface="Arial Rounded MT Bold" panose="020F0704030504030204" pitchFamily="34" charset="0"/>
-              </a:rPr>
-              <a:t>Long-lasting Durability</a:t>
-            </a:r>
-          </a:p>
-          <a:p>
-            <a:pPr marL="285750" indent="-285750">
-              <a:buFont typeface="Wingdings" panose="05000000000000000000" pitchFamily="2" charset="2"/>
-              <a:buChar char="q"/>
-            </a:pPr>
-            <a:r>
-              <a:rPr lang="en-ZA" sz="1800" b="0" i="0" u="none" strike="noStrike" baseline="0" dirty="0">
-                <a:latin typeface="Arial Rounded MT Bold" panose="020F0704030504030204" pitchFamily="34" charset="0"/>
-              </a:rPr>
-              <a:t>Enhanced Traction</a:t>
-            </a:r>
-          </a:p>
-          <a:p>
-            <a:pPr marL="285750" indent="-285750">
-              <a:buFont typeface="Wingdings" panose="05000000000000000000" pitchFamily="2" charset="2"/>
-              <a:buChar char="q"/>
-            </a:pPr>
-            <a:r>
-              <a:rPr lang="en-ZA" sz="1800" b="0" i="0" u="none" strike="noStrike" baseline="0" dirty="0">
-                <a:latin typeface="Arial Rounded MT Bold" panose="020F0704030504030204" pitchFamily="34" charset="0"/>
-              </a:rPr>
-              <a:t>Puncture-Proof</a:t>
-            </a:r>
-          </a:p>
-          <a:p>
-            <a:pPr marL="285750" indent="-285750">
-              <a:buFont typeface="Wingdings" panose="05000000000000000000" pitchFamily="2" charset="2"/>
-              <a:buChar char="q"/>
-            </a:pPr>
-            <a:r>
-              <a:rPr lang="en-ZA" sz="1800" b="0" i="0" u="none" strike="noStrike" baseline="0" dirty="0">
-                <a:latin typeface="Arial Rounded MT Bold" panose="020F0704030504030204" pitchFamily="34" charset="0"/>
-              </a:rPr>
-              <a:t>Eco-Friendly</a:t>
-            </a:r>
-          </a:p>
-          <a:p>
-            <a:pPr marL="285750" indent="-285750">
-              <a:buFont typeface="Wingdings" panose="05000000000000000000" pitchFamily="2" charset="2"/>
-              <a:buChar char="q"/>
-            </a:pPr>
-            <a:r>
-              <a:rPr lang="en-ZA" sz="1800" b="0" i="0" u="none" strike="noStrike" baseline="0" dirty="0">
-                <a:latin typeface="Arial Rounded MT Bold" panose="020F0704030504030204" pitchFamily="34" charset="0"/>
-              </a:rPr>
-              <a:t>Cost-Efficient</a:t>
-            </a:r>
-          </a:p>
-        </p:txBody>
-      </p:sp>
-      <p:pic>
-        <p:nvPicPr>
           <p:cNvPr id="27" name="Picture 26" descr="A black and yellow wave&#10;&#10;Description automatically generated">
             <a:extLst>
               <a:ext uri="{FF2B5EF4-FFF2-40B4-BE49-F238E27FC236}">
@@ -3965,7 +3674,7 @@
           <p:nvPr/>
         </p:nvPicPr>
         <p:blipFill rotWithShape="1">
-          <a:blip r:embed="rId7">
+          <a:blip r:embed="rId6">
             <a:extLst>
               <a:ext uri="{28A0092B-C50C-407E-A947-70E740481C1C}">
                 <a14:useLocalDpi xmlns:a14="http://schemas.microsoft.com/office/drawing/2010/main" val="0"/>
@@ -3987,10 +3696,10 @@
       </p:pic>
       <p:sp>
         <p:nvSpPr>
-          <p:cNvPr id="28" name="TextBox 27">
-            <a:extLst>
-              <a:ext uri="{FF2B5EF4-FFF2-40B4-BE49-F238E27FC236}">
-                <a16:creationId xmlns:a16="http://schemas.microsoft.com/office/drawing/2014/main" id="{E54EF441-C3B5-652F-B88A-360742C898E3}"/>
+          <p:cNvPr id="10" name="TextBox 9">
+            <a:extLst>
+              <a:ext uri="{FF2B5EF4-FFF2-40B4-BE49-F238E27FC236}">
+                <a16:creationId xmlns:a16="http://schemas.microsoft.com/office/drawing/2014/main" id="{68852D1E-343F-4397-A957-907716E18887}"/>
               </a:ext>
             </a:extLst>
           </p:cNvPr>
@@ -3999,7 +3708,147 @@
         </p:nvSpPr>
         <p:spPr>
           <a:xfrm>
-            <a:off x="4734754" y="2580326"/>
+            <a:off x="420218" y="3139642"/>
+            <a:ext cx="8588648" cy="3046988"/>
+          </a:xfrm>
+          <a:prstGeom prst="rect">
+            <a:avLst/>
+          </a:prstGeom>
+          <a:noFill/>
+        </p:spPr>
+        <p:txBody>
+          <a:bodyPr wrap="square">
+            <a:spAutoFit/>
+          </a:bodyPr>
+          <a:lstStyle/>
+          <a:p>
+            <a:pPr algn="l"/>
+            <a:endParaRPr lang="en-ZA" sz="1600" b="0" i="0" u="none" strike="noStrike" baseline="0" dirty="0">
+              <a:solidFill>
+                <a:srgbClr val="000000"/>
+              </a:solidFill>
+              <a:latin typeface="Arial Rounded MT Bold" panose="020F0704030504030204" pitchFamily="34" charset="0"/>
+            </a:endParaRPr>
+          </a:p>
+          <a:p>
+            <a:endParaRPr lang="en-ZA" sz="1600" b="0" i="0" u="none" strike="noStrike" baseline="0" dirty="0">
+              <a:latin typeface="Arial Rounded MT Bold" panose="020F0704030504030204" pitchFamily="34" charset="0"/>
+            </a:endParaRPr>
+          </a:p>
+          <a:p>
+            <a:r>
+              <a:rPr lang="en-US" sz="1600" b="0" i="0" u="none" strike="noStrike" baseline="0" dirty="0">
+                <a:latin typeface="Arial Rounded MT Bold" panose="020F0704030504030204" pitchFamily="34" charset="0"/>
+              </a:rPr>
+              <a:t>We understand the frustrations and expenses associated with traditional tire maintenance. Our innovative tire fill technology </a:t>
+            </a:r>
+          </a:p>
+          <a:p>
+            <a:r>
+              <a:rPr lang="en-US" sz="1600" b="0" i="0" u="none" strike="noStrike" baseline="0" dirty="0">
+                <a:latin typeface="Arial Rounded MT Bold" panose="020F0704030504030204" pitchFamily="34" charset="0"/>
+              </a:rPr>
+              <a:t>offers a wide range of benefits, making it the superior choice for your vehicles.</a:t>
+            </a:r>
+          </a:p>
+          <a:p>
+            <a:r>
+              <a:rPr lang="en-US" sz="1600" b="0" i="0" u="none" strike="noStrike" baseline="0" dirty="0">
+                <a:latin typeface="Arial Rounded MT Bold" panose="020F0704030504030204" pitchFamily="34" charset="0"/>
+              </a:rPr>
+              <a:t>Here's why you should consider our tire fill</a:t>
+            </a:r>
+          </a:p>
+          <a:p>
+            <a:r>
+              <a:rPr lang="en-ZA" sz="1600" b="0" i="0" u="none" strike="noStrike" baseline="0" dirty="0">
+                <a:latin typeface="Arial Rounded MT Bold" panose="020F0704030504030204" pitchFamily="34" charset="0"/>
+              </a:rPr>
+              <a:t>solutions:</a:t>
+            </a:r>
+            <a:endParaRPr lang="en-US" sz="1600" dirty="0">
+              <a:latin typeface="Arial Rounded MT Bold" panose="020F0704030504030204" pitchFamily="34" charset="0"/>
+              <a:ea typeface="ADLaM Display" panose="020F0502020204030204" pitchFamily="2" charset="0"/>
+              <a:cs typeface="ADLaM Display" panose="020F0502020204030204" pitchFamily="2" charset="0"/>
+            </a:endParaRPr>
+          </a:p>
+          <a:p>
+            <a:pPr marL="285750" indent="-285750">
+              <a:buFont typeface="Wingdings" panose="05000000000000000000" pitchFamily="2" charset="2"/>
+              <a:buChar char="q"/>
+            </a:pPr>
+            <a:r>
+              <a:rPr lang="en-ZA" sz="1600" b="0" i="0" u="none" strike="noStrike" baseline="0" dirty="0">
+                <a:latin typeface="Arial Rounded MT Bold" panose="020F0704030504030204" pitchFamily="34" charset="0"/>
+              </a:rPr>
+              <a:t>Long-lasting Durability</a:t>
+            </a:r>
+          </a:p>
+          <a:p>
+            <a:pPr marL="285750" indent="-285750">
+              <a:buFont typeface="Wingdings" panose="05000000000000000000" pitchFamily="2" charset="2"/>
+              <a:buChar char="q"/>
+            </a:pPr>
+            <a:r>
+              <a:rPr lang="en-ZA" sz="1600" b="0" i="0" u="none" strike="noStrike" baseline="0" dirty="0">
+                <a:latin typeface="Arial Rounded MT Bold" panose="020F0704030504030204" pitchFamily="34" charset="0"/>
+              </a:rPr>
+              <a:t>Enhanced Traction</a:t>
+            </a:r>
+          </a:p>
+          <a:p>
+            <a:pPr marL="285750" indent="-285750">
+              <a:buFont typeface="Wingdings" panose="05000000000000000000" pitchFamily="2" charset="2"/>
+              <a:buChar char="q"/>
+            </a:pPr>
+            <a:r>
+              <a:rPr lang="en-ZA" sz="1600" b="0" i="0" u="none" strike="noStrike" baseline="0" dirty="0">
+                <a:latin typeface="Arial Rounded MT Bold" panose="020F0704030504030204" pitchFamily="34" charset="0"/>
+              </a:rPr>
+              <a:t>Puncture-Proof</a:t>
+            </a:r>
+          </a:p>
+          <a:p>
+            <a:pPr marL="285750" indent="-285750">
+              <a:buFont typeface="Wingdings" panose="05000000000000000000" pitchFamily="2" charset="2"/>
+              <a:buChar char="q"/>
+            </a:pPr>
+            <a:r>
+              <a:rPr lang="en-ZA" sz="1600" b="0" i="0" u="none" strike="noStrike" baseline="0" dirty="0">
+                <a:latin typeface="Arial Rounded MT Bold" panose="020F0704030504030204" pitchFamily="34" charset="0"/>
+              </a:rPr>
+              <a:t>Eco-Friendly</a:t>
+            </a:r>
+          </a:p>
+          <a:p>
+            <a:pPr marL="285750" indent="-285750">
+              <a:buFont typeface="Wingdings" panose="05000000000000000000" pitchFamily="2" charset="2"/>
+              <a:buChar char="q"/>
+            </a:pPr>
+            <a:r>
+              <a:rPr lang="en-ZA" sz="1600" b="0" i="0" u="none" strike="noStrike" baseline="0" dirty="0">
+                <a:latin typeface="Arial Rounded MT Bold" panose="020F0704030504030204" pitchFamily="34" charset="0"/>
+              </a:rPr>
+              <a:t>Cost-Efficient</a:t>
+            </a:r>
+          </a:p>
+        </p:txBody>
+      </p:sp>
+      <p:sp>
+        <p:nvSpPr>
+          <p:cNvPr id="11" name="TextBox 10">
+            <a:extLst>
+              <a:ext uri="{FF2B5EF4-FFF2-40B4-BE49-F238E27FC236}">
+                <a16:creationId xmlns:a16="http://schemas.microsoft.com/office/drawing/2014/main" id="{660EA95E-E211-1F7E-E0BA-DA8BEBD21ADF}"/>
+              </a:ext>
+            </a:extLst>
+          </p:cNvPr>
+          <p:cNvSpPr txBox="1"/>
+          <p:nvPr/>
+        </p:nvSpPr>
+        <p:spPr>
+          <a:xfrm>
+            <a:off x="3953352" y="2529307"/>
             <a:ext cx="5047668" cy="769441"/>
           </a:xfrm>
           <a:prstGeom prst="rect">
@@ -4023,6 +3872,48 @@
           </a:p>
         </p:txBody>
       </p:sp>
+      <p:pic>
+        <p:nvPicPr>
+          <p:cNvPr id="14" name="Picture 13" descr="A person in a yellow hard hat checking a tire&#10;&#10;Description automatically generated">
+            <a:extLst>
+              <a:ext uri="{FF2B5EF4-FFF2-40B4-BE49-F238E27FC236}">
+                <a16:creationId xmlns:a16="http://schemas.microsoft.com/office/drawing/2014/main" id="{E2BB8053-0D2A-2F5C-553F-AF4D7F0C12F1}"/>
+              </a:ext>
+            </a:extLst>
+          </p:cNvPr>
+          <p:cNvPicPr>
+            <a:picLocks noChangeAspect="1"/>
+          </p:cNvPicPr>
+          <p:nvPr/>
+        </p:nvPicPr>
+        <p:blipFill>
+          <a:blip r:embed="rId7">
+            <a:extLst>
+              <a:ext uri="{28A0092B-C50C-407E-A947-70E740481C1C}">
+                <a14:useLocalDpi xmlns:a14="http://schemas.microsoft.com/office/drawing/2010/main" val="0"/>
+              </a:ext>
+            </a:extLst>
+          </a:blip>
+          <a:stretch>
+            <a:fillRect/>
+          </a:stretch>
+        </p:blipFill>
+        <p:spPr>
+          <a:xfrm>
+            <a:off x="8634126" y="2315984"/>
+            <a:ext cx="3680188" cy="3248531"/>
+          </a:xfrm>
+          <a:prstGeom prst="ellipse">
+            <a:avLst/>
+          </a:prstGeom>
+          <a:ln>
+            <a:noFill/>
+          </a:ln>
+          <a:effectLst>
+            <a:softEdge rad="112500"/>
+          </a:effectLst>
+        </p:spPr>
+      </p:pic>
     </p:spTree>
     <p:extLst>
       <p:ext uri="{BB962C8B-B14F-4D97-AF65-F5344CB8AC3E}">
